--- a/Calendario/Presentaciones/6_Funciones.pptx
+++ b/Calendario/Presentaciones/6_Funciones.pptx
@@ -27,10 +27,10 @@
     <p:sldId id="272" r:id="rId18"/>
     <p:sldId id="296" r:id="rId19"/>
     <p:sldId id="297" r:id="rId20"/>
-    <p:sldId id="275" r:id="rId21"/>
-    <p:sldId id="287" r:id="rId22"/>
-    <p:sldId id="280" r:id="rId23"/>
-    <p:sldId id="298" r:id="rId24"/>
+    <p:sldId id="299" r:id="rId21"/>
+    <p:sldId id="300" r:id="rId22"/>
+    <p:sldId id="301" r:id="rId23"/>
+    <p:sldId id="302" r:id="rId24"/>
     <p:sldId id="282" r:id="rId25"/>
   </p:sldIdLst>
   <p:sldSz cx="9144000" cy="6858000" type="screen4x3"/>
@@ -231,7 +231,7 @@
           <a:p>
             <a:fld id="{DDE721D5-655F-45D2-B717-3C4CD78C8568}" type="datetimeFigureOut">
               <a:rPr lang="es-MX" smtClean="0"/>
-              <a:t>17/01/2022</a:t>
+              <a:t>24/02/2022</a:t>
             </a:fld>
             <a:endParaRPr lang="es-MX" dirty="0"/>
           </a:p>
@@ -1268,7 +1268,7 @@
           <a:p>
             <a:fld id="{B3F3E716-CACC-4490-AD07-F24B6A68DE47}" type="datetimeFigureOut">
               <a:rPr lang="es-MX" smtClean="0"/>
-              <a:t>17/01/2022</a:t>
+              <a:t>24/02/2022</a:t>
             </a:fld>
             <a:endParaRPr lang="es-MX" dirty="0"/>
           </a:p>
@@ -1438,7 +1438,7 @@
           <a:p>
             <a:fld id="{B3F3E716-CACC-4490-AD07-F24B6A68DE47}" type="datetimeFigureOut">
               <a:rPr lang="es-MX" smtClean="0"/>
-              <a:t>17/01/2022</a:t>
+              <a:t>24/02/2022</a:t>
             </a:fld>
             <a:endParaRPr lang="es-MX" dirty="0"/>
           </a:p>
@@ -1618,7 +1618,7 @@
           <a:p>
             <a:fld id="{B3F3E716-CACC-4490-AD07-F24B6A68DE47}" type="datetimeFigureOut">
               <a:rPr lang="es-MX" smtClean="0"/>
-              <a:t>17/01/2022</a:t>
+              <a:t>24/02/2022</a:t>
             </a:fld>
             <a:endParaRPr lang="es-MX" dirty="0"/>
           </a:p>
@@ -1740,7 +1740,7 @@
             </a:lvl1pPr>
           </a:lstStyle>
           <a:p>
-            <a:endParaRPr/>
+            <a:endParaRPr dirty="0"/>
           </a:p>
         </p:txBody>
       </p:sp>
@@ -1771,9 +1771,9 @@
           <a:p>
             <a:fld id="{1D8BD707-D9CF-40AE-B4C6-C98DA3205C09}" type="datetimeFigureOut">
               <a:rPr lang="en-US" smtClean="0"/>
-              <a:t>1/17/2022</a:t>
+              <a:t>2/24/2022</a:t>
             </a:fld>
-            <a:endParaRPr lang="en-US"/>
+            <a:endParaRPr lang="en-US" dirty="0"/>
           </a:p>
         </p:txBody>
       </p:sp>
@@ -1803,7 +1803,7 @@
               <a:pPr marL="25400"/>
               <a:t>‹Nº›</a:t>
             </a:fld>
-            <a:endParaRPr lang="es-MX">
+            <a:endParaRPr lang="es-MX" dirty="0">
               <a:cs typeface="Calibri"/>
             </a:endParaRPr>
           </a:p>
@@ -1931,7 +1931,7 @@
           <a:p>
             <a:fld id="{B3F3E716-CACC-4490-AD07-F24B6A68DE47}" type="datetimeFigureOut">
               <a:rPr lang="es-MX" smtClean="0"/>
-              <a:t>17/01/2022</a:t>
+              <a:t>24/02/2022</a:t>
             </a:fld>
             <a:endParaRPr lang="es-MX" dirty="0"/>
           </a:p>
@@ -2177,7 +2177,7 @@
           <a:p>
             <a:fld id="{B3F3E716-CACC-4490-AD07-F24B6A68DE47}" type="datetimeFigureOut">
               <a:rPr lang="es-MX" smtClean="0"/>
-              <a:t>17/01/2022</a:t>
+              <a:t>24/02/2022</a:t>
             </a:fld>
             <a:endParaRPr lang="es-MX" dirty="0"/>
           </a:p>
@@ -2465,7 +2465,7 @@
           <a:p>
             <a:fld id="{B3F3E716-CACC-4490-AD07-F24B6A68DE47}" type="datetimeFigureOut">
               <a:rPr lang="es-MX" smtClean="0"/>
-              <a:t>17/01/2022</a:t>
+              <a:t>24/02/2022</a:t>
             </a:fld>
             <a:endParaRPr lang="es-MX" dirty="0"/>
           </a:p>
@@ -2887,7 +2887,7 @@
           <a:p>
             <a:fld id="{B3F3E716-CACC-4490-AD07-F24B6A68DE47}" type="datetimeFigureOut">
               <a:rPr lang="es-MX" smtClean="0"/>
-              <a:t>17/01/2022</a:t>
+              <a:t>24/02/2022</a:t>
             </a:fld>
             <a:endParaRPr lang="es-MX" dirty="0"/>
           </a:p>
@@ -3005,7 +3005,7 @@
           <a:p>
             <a:fld id="{B3F3E716-CACC-4490-AD07-F24B6A68DE47}" type="datetimeFigureOut">
               <a:rPr lang="es-MX" smtClean="0"/>
-              <a:t>17/01/2022</a:t>
+              <a:t>24/02/2022</a:t>
             </a:fld>
             <a:endParaRPr lang="es-MX" dirty="0"/>
           </a:p>
@@ -3100,7 +3100,7 @@
           <a:p>
             <a:fld id="{B3F3E716-CACC-4490-AD07-F24B6A68DE47}" type="datetimeFigureOut">
               <a:rPr lang="es-MX" smtClean="0"/>
-              <a:t>17/01/2022</a:t>
+              <a:t>24/02/2022</a:t>
             </a:fld>
             <a:endParaRPr lang="es-MX" dirty="0"/>
           </a:p>
@@ -3377,7 +3377,7 @@
           <a:p>
             <a:fld id="{B3F3E716-CACC-4490-AD07-F24B6A68DE47}" type="datetimeFigureOut">
               <a:rPr lang="es-MX" smtClean="0"/>
-              <a:t>17/01/2022</a:t>
+              <a:t>24/02/2022</a:t>
             </a:fld>
             <a:endParaRPr lang="es-MX" dirty="0"/>
           </a:p>
@@ -3630,7 +3630,7 @@
           <a:p>
             <a:fld id="{B3F3E716-CACC-4490-AD07-F24B6A68DE47}" type="datetimeFigureOut">
               <a:rPr lang="es-MX" smtClean="0"/>
-              <a:t>17/01/2022</a:t>
+              <a:t>24/02/2022</a:t>
             </a:fld>
             <a:endParaRPr lang="es-MX" dirty="0"/>
           </a:p>
@@ -3843,7 +3843,7 @@
           <a:p>
             <a:fld id="{B3F3E716-CACC-4490-AD07-F24B6A68DE47}" type="datetimeFigureOut">
               <a:rPr lang="es-MX" smtClean="0"/>
-              <a:t>17/01/2022</a:t>
+              <a:t>24/02/2022</a:t>
             </a:fld>
             <a:endParaRPr lang="es-MX" dirty="0"/>
           </a:p>
@@ -5245,31 +5245,7 @@
                 <a:latin typeface="Arial" pitchFamily="34" charset="0"/>
                 <a:cs typeface="Arial" pitchFamily="34" charset="0"/>
               </a:rPr>
-              <a:t>de la función es una lista de instrucciones de </a:t>
-            </a:r>
-            <a:r>
-              <a:rPr lang="es-ES_tradnl" sz="2000" dirty="0" err="1">
-                <a:solidFill>
-                  <a:schemeClr val="bg2">
-                    <a:lumMod val="25000"/>
-                  </a:schemeClr>
-                </a:solidFill>
-                <a:latin typeface="Arial" pitchFamily="34" charset="0"/>
-                <a:cs typeface="Arial" pitchFamily="34" charset="0"/>
-              </a:rPr>
-              <a:t>Phyton</a:t>
-            </a:r>
-            <a:r>
-              <a:rPr lang="es-ES_tradnl" sz="2000" dirty="0">
-                <a:solidFill>
-                  <a:schemeClr val="bg2">
-                    <a:lumMod val="25000"/>
-                  </a:schemeClr>
-                </a:solidFill>
-                <a:latin typeface="Arial" pitchFamily="34" charset="0"/>
-                <a:cs typeface="Arial" pitchFamily="34" charset="0"/>
-              </a:rPr>
-              <a:t>. Esta lista de instrucciones define el proceso que la función debe llevar a cabo.  </a:t>
+              <a:t>de la función es una lista de instrucciones de Phyton. Esta lista de instrucciones define el proceso que la función debe llevar a cabo.  </a:t>
             </a:r>
           </a:p>
           <a:p>
@@ -7366,20 +7342,12 @@
             <a:p>
               <a:pPr defTabSz="762000"/>
               <a:r>
-                <a:rPr lang="es-ES_tradnl" sz="2400" b="1" dirty="0" err="1">
-                  <a:solidFill>
-                    <a:schemeClr val="bg1"/>
-                  </a:solidFill>
-                </a:rPr>
-                <a:t>def</a:t>
-              </a:r>
-              <a:r>
                 <a:rPr lang="es-ES_tradnl" sz="2400" b="1" dirty="0">
                   <a:solidFill>
                     <a:schemeClr val="bg1"/>
                   </a:solidFill>
                 </a:rPr>
-                <a:t> promedio ( a, b ):</a:t>
+                <a:t>def promedio ( a, b ):</a:t>
               </a:r>
             </a:p>
             <a:p>
@@ -7390,23 +7358,7 @@
                     <a:schemeClr val="bg1"/>
                   </a:solidFill>
                 </a:rPr>
-                <a:t>       </a:t>
-              </a:r>
-              <a:r>
-                <a:rPr lang="es-ES_tradnl" sz="2400" b="1" dirty="0" err="1">
-                  <a:solidFill>
-                    <a:schemeClr val="bg1"/>
-                  </a:solidFill>
-                </a:rPr>
-                <a:t>return</a:t>
-              </a:r>
-              <a:r>
-                <a:rPr lang="es-ES_tradnl" sz="2400" b="1" dirty="0">
-                  <a:solidFill>
-                    <a:schemeClr val="bg1"/>
-                  </a:solidFill>
-                </a:rPr>
-                <a:t> (a+b)/2</a:t>
+                <a:t>       return (a+b)/2</a:t>
               </a:r>
             </a:p>
           </p:txBody>
@@ -9155,16 +9107,10 @@
               <a:buNone/>
             </a:pPr>
             <a:r>
-              <a:rPr lang="es-ES_tradnl" sz="2400" b="1" dirty="0" err="1">
-                <a:cs typeface="Arial" pitchFamily="34" charset="0"/>
-              </a:rPr>
-              <a:t>def</a:t>
-            </a:r>
-            <a:r>
               <a:rPr lang="es-ES_tradnl" sz="2400" b="1" dirty="0">
                 <a:cs typeface="Arial" pitchFamily="34" charset="0"/>
               </a:rPr>
-              <a:t> </a:t>
+              <a:t>def </a:t>
             </a:r>
             <a:r>
               <a:rPr lang="es-ES_tradnl" sz="2400" b="1" dirty="0">
@@ -9952,7 +9898,7 @@
               <a:buNone/>
             </a:pPr>
             <a:r>
-              <a:rPr lang="es-ES_tradnl" sz="2400" b="1" dirty="0" err="1">
+              <a:rPr lang="es-ES_tradnl" sz="2400" b="1" dirty="0">
                 <a:solidFill>
                   <a:schemeClr val="tx1">
                     <a:lumMod val="95000"/>
@@ -9961,43 +9907,7 @@
                 </a:solidFill>
                 <a:cs typeface="Arial" pitchFamily="34" charset="0"/>
               </a:rPr>
-              <a:t>num</a:t>
-            </a:r>
-            <a:r>
-              <a:rPr lang="es-ES_tradnl" sz="2400" b="1" dirty="0">
-                <a:solidFill>
-                  <a:schemeClr val="tx1">
-                    <a:lumMod val="95000"/>
-                    <a:lumOff val="5000"/>
-                  </a:schemeClr>
-                </a:solidFill>
-                <a:cs typeface="Arial" pitchFamily="34" charset="0"/>
-              </a:rPr>
-              <a:t> = </a:t>
-            </a:r>
-            <a:r>
-              <a:rPr lang="es-ES_tradnl" sz="2400" b="1" dirty="0" err="1">
-                <a:solidFill>
-                  <a:schemeClr val="tx1">
-                    <a:lumMod val="95000"/>
-                    <a:lumOff val="5000"/>
-                  </a:schemeClr>
-                </a:solidFill>
-                <a:cs typeface="Arial" pitchFamily="34" charset="0"/>
-              </a:rPr>
-              <a:t>float</a:t>
-            </a:r>
-            <a:r>
-              <a:rPr lang="es-ES_tradnl" sz="2400" b="1" dirty="0">
-                <a:solidFill>
-                  <a:schemeClr val="tx1">
-                    <a:lumMod val="95000"/>
-                    <a:lumOff val="5000"/>
-                  </a:schemeClr>
-                </a:solidFill>
-                <a:cs typeface="Arial" pitchFamily="34" charset="0"/>
-              </a:rPr>
-              <a:t>(input(</a:t>
+              <a:t>num = float(input(</a:t>
             </a:r>
             <a:r>
               <a:rPr lang="es-MX" sz="2400" b="1" dirty="0">
@@ -10080,29 +9990,7 @@
                 </a:solidFill>
                 <a:cs typeface="Arial" pitchFamily="34" charset="0"/>
               </a:rPr>
-              <a:t>cuadrado(</a:t>
-            </a:r>
-            <a:r>
-              <a:rPr lang="es-ES_tradnl" sz="2400" b="1" dirty="0" err="1">
-                <a:solidFill>
-                  <a:schemeClr val="accent6">
-                    <a:lumMod val="75000"/>
-                  </a:schemeClr>
-                </a:solidFill>
-                <a:cs typeface="Arial" pitchFamily="34" charset="0"/>
-              </a:rPr>
-              <a:t>num</a:t>
-            </a:r>
-            <a:r>
-              <a:rPr lang="es-ES_tradnl" sz="2400" b="1" dirty="0">
-                <a:solidFill>
-                  <a:schemeClr val="accent6">
-                    <a:lumMod val="75000"/>
-                  </a:schemeClr>
-                </a:solidFill>
-                <a:cs typeface="Arial" pitchFamily="34" charset="0"/>
-              </a:rPr>
-              <a:t>)</a:t>
+              <a:t>cuadrado(num)</a:t>
             </a:r>
           </a:p>
           <a:p>
@@ -10116,7 +10004,7 @@
               <a:buNone/>
             </a:pPr>
             <a:r>
-              <a:rPr lang="es-ES_tradnl" sz="2400" b="1" dirty="0" err="1">
+              <a:rPr lang="es-ES_tradnl" sz="2400" b="1" dirty="0">
                 <a:solidFill>
                   <a:schemeClr val="tx1">
                     <a:lumMod val="95000"/>
@@ -10125,91 +10013,55 @@
                 </a:solidFill>
                 <a:cs typeface="Arial" pitchFamily="34" charset="0"/>
               </a:rPr>
-              <a:t>print</a:t>
-            </a:r>
-            <a:r>
-              <a:rPr lang="es-ES_tradnl" sz="2400" b="1" dirty="0">
+              <a:t>print(</a:t>
+            </a:r>
+            <a:r>
+              <a:rPr lang="es-MX" sz="2400" b="1" dirty="0">
                 <a:solidFill>
                   <a:schemeClr val="tx1">
                     <a:lumMod val="95000"/>
                     <a:lumOff val="5000"/>
                   </a:schemeClr>
                 </a:solidFill>
-                <a:cs typeface="Arial" pitchFamily="34" charset="0"/>
-              </a:rPr>
-              <a:t>(</a:t>
-            </a:r>
-            <a:r>
-              <a:rPr lang="es-MX" sz="2400" b="1" dirty="0">
+                <a:cs typeface="Arial" panose="020B0604020202020204" pitchFamily="34" charset="0"/>
+              </a:rPr>
+              <a:t>"%.2f </a:t>
+            </a:r>
+            <a:r>
+              <a:rPr lang="es-ES_tradnl" sz="2400" b="1" dirty="0">
                 <a:solidFill>
                   <a:schemeClr val="tx1">
                     <a:lumMod val="95000"/>
                     <a:lumOff val="5000"/>
                   </a:schemeClr>
                 </a:solidFill>
-                <a:cs typeface="Arial" panose="020B0604020202020204" pitchFamily="34" charset="0"/>
-              </a:rPr>
-              <a:t>"%.2f </a:t>
-            </a:r>
-            <a:r>
-              <a:rPr lang="es-ES_tradnl" sz="2400" b="1" dirty="0">
+                <a:cs typeface="Arial" pitchFamily="34" charset="0"/>
+              </a:rPr>
+              <a:t>elevado al cuadrado es %.2f</a:t>
+            </a:r>
+            <a:r>
+              <a:rPr lang="es-MX" sz="2400" b="1" dirty="0">
                 <a:solidFill>
                   <a:schemeClr val="tx1">
                     <a:lumMod val="95000"/>
                     <a:lumOff val="5000"/>
                   </a:schemeClr>
                 </a:solidFill>
-                <a:cs typeface="Arial" pitchFamily="34" charset="0"/>
-              </a:rPr>
-              <a:t>elevado al cuadrado es %.2f</a:t>
-            </a:r>
-            <a:r>
-              <a:rPr lang="es-MX" sz="2400" b="1" dirty="0">
+                <a:cs typeface="Arial" panose="020B0604020202020204" pitchFamily="34" charset="0"/>
+              </a:rPr>
+              <a:t> "</a:t>
+            </a:r>
+            <a:r>
+              <a:rPr lang="es-ES_tradnl" sz="2400" b="1" dirty="0">
                 <a:solidFill>
                   <a:schemeClr val="tx1">
                     <a:lumMod val="95000"/>
                     <a:lumOff val="5000"/>
                   </a:schemeClr>
                 </a:solidFill>
-                <a:cs typeface="Arial" panose="020B0604020202020204" pitchFamily="34" charset="0"/>
-              </a:rPr>
-              <a:t> "</a:t>
-            </a:r>
-            <a:r>
-              <a:rPr lang="es-ES_tradnl" sz="2400" b="1" dirty="0">
-                <a:solidFill>
-                  <a:schemeClr val="tx1">
-                    <a:lumMod val="95000"/>
-                    <a:lumOff val="5000"/>
-                  </a:schemeClr>
-                </a:solidFill>
                 <a:cs typeface="Arial" pitchFamily="34" charset="0"/>
               </a:rPr>
-              <a:t> % (</a:t>
-            </a:r>
-            <a:r>
-              <a:rPr lang="es-ES_tradnl" sz="2400" b="1" dirty="0" err="1">
-                <a:solidFill>
-                  <a:schemeClr val="tx1">
-                    <a:lumMod val="95000"/>
-                    <a:lumOff val="5000"/>
-                  </a:schemeClr>
-                </a:solidFill>
-                <a:cs typeface="Arial" pitchFamily="34" charset="0"/>
-              </a:rPr>
-              <a:t>num</a:t>
-            </a:r>
-            <a:r>
-              <a:rPr lang="es-ES_tradnl" sz="2400" b="1" dirty="0">
-                <a:solidFill>
-                  <a:schemeClr val="tx1">
-                    <a:lumMod val="95000"/>
-                    <a:lumOff val="5000"/>
-                  </a:schemeClr>
-                </a:solidFill>
-                <a:cs typeface="Arial" pitchFamily="34" charset="0"/>
-              </a:rPr>
-              <a:t>, resultado))</a:t>
+              <a:t> % (num, resultado))</a:t>
             </a:r>
           </a:p>
           <a:p>
@@ -10501,7 +10353,7 @@
           </a:bodyPr>
           <a:lstStyle/>
           <a:p>
-            <a:endParaRPr/>
+            <a:endParaRPr dirty="0"/>
           </a:p>
         </p:txBody>
       </p:sp>
@@ -10532,7 +10384,7 @@
           </a:bodyPr>
           <a:lstStyle/>
           <a:p>
-            <a:endParaRPr/>
+            <a:endParaRPr dirty="0"/>
           </a:p>
         </p:txBody>
       </p:sp>
@@ -10563,7 +10415,7 @@
           </a:bodyPr>
           <a:lstStyle/>
           <a:p>
-            <a:endParaRPr/>
+            <a:endParaRPr dirty="0"/>
           </a:p>
         </p:txBody>
       </p:sp>
@@ -10623,7 +10475,7 @@
           </a:bodyPr>
           <a:lstStyle/>
           <a:p>
-            <a:endParaRPr/>
+            <a:endParaRPr dirty="0"/>
           </a:p>
         </p:txBody>
       </p:sp>
@@ -10735,7 +10587,7 @@
           </a:bodyPr>
           <a:lstStyle/>
           <a:p>
-            <a:endParaRPr/>
+            <a:endParaRPr dirty="0"/>
           </a:p>
         </p:txBody>
       </p:sp>
@@ -10934,7 +10786,7 @@
           </a:bodyPr>
           <a:lstStyle/>
           <a:p>
-            <a:endParaRPr/>
+            <a:endParaRPr dirty="0"/>
           </a:p>
         </p:txBody>
       </p:sp>
@@ -10978,7 +10830,7 @@
           </a:bodyPr>
           <a:lstStyle/>
           <a:p>
-            <a:endParaRPr/>
+            <a:endParaRPr dirty="0"/>
           </a:p>
         </p:txBody>
       </p:sp>
@@ -11065,7 +10917,7 @@
           </a:bodyPr>
           <a:lstStyle/>
           <a:p>
-            <a:endParaRPr/>
+            <a:endParaRPr dirty="0"/>
           </a:p>
         </p:txBody>
       </p:sp>
@@ -11112,7 +10964,7 @@
           </a:bodyPr>
           <a:lstStyle/>
           <a:p>
-            <a:endParaRPr/>
+            <a:endParaRPr dirty="0"/>
           </a:p>
         </p:txBody>
       </p:sp>
@@ -11246,7 +11098,7 @@
           </a:bodyPr>
           <a:lstStyle/>
           <a:p>
-            <a:endParaRPr/>
+            <a:endParaRPr dirty="0"/>
           </a:p>
         </p:txBody>
       </p:sp>
@@ -11293,7 +11145,7 @@
           </a:bodyPr>
           <a:lstStyle/>
           <a:p>
-            <a:endParaRPr/>
+            <a:endParaRPr dirty="0"/>
           </a:p>
         </p:txBody>
       </p:sp>
@@ -11358,7 +11210,7 @@
           </a:bodyPr>
           <a:lstStyle/>
           <a:p>
-            <a:endParaRPr/>
+            <a:endParaRPr dirty="0"/>
           </a:p>
         </p:txBody>
       </p:sp>
@@ -11402,7 +11254,7 @@
           </a:bodyPr>
           <a:lstStyle/>
           <a:p>
-            <a:endParaRPr/>
+            <a:endParaRPr dirty="0"/>
           </a:p>
         </p:txBody>
       </p:sp>
@@ -11460,7 +11312,7 @@
           </a:bodyPr>
           <a:lstStyle/>
           <a:p>
-            <a:endParaRPr/>
+            <a:endParaRPr dirty="0"/>
           </a:p>
         </p:txBody>
       </p:sp>
@@ -11513,7 +11365,7 @@
           </a:bodyPr>
           <a:lstStyle/>
           <a:p>
-            <a:endParaRPr>
+            <a:endParaRPr dirty="0">
               <a:solidFill>
                 <a:schemeClr val="tx1">
                   <a:lumMod val="95000"/>
@@ -11564,7 +11416,7 @@
           </a:bodyPr>
           <a:lstStyle/>
           <a:p>
-            <a:endParaRPr/>
+            <a:endParaRPr dirty="0"/>
           </a:p>
         </p:txBody>
       </p:sp>
@@ -11718,7 +11570,7 @@
           </a:bodyPr>
           <a:lstStyle/>
           <a:p>
-            <a:endParaRPr/>
+            <a:endParaRPr dirty="0"/>
           </a:p>
         </p:txBody>
       </p:sp>
@@ -11869,7 +11721,7 @@
           </a:bodyPr>
           <a:lstStyle/>
           <a:p>
-            <a:endParaRPr/>
+            <a:endParaRPr dirty="0"/>
           </a:p>
         </p:txBody>
       </p:sp>
@@ -11990,7 +11842,7 @@
           </a:bodyPr>
           <a:lstStyle/>
           <a:p>
-            <a:endParaRPr/>
+            <a:endParaRPr dirty="0"/>
           </a:p>
         </p:txBody>
       </p:sp>
@@ -12147,7 +11999,7 @@
           </a:bodyPr>
           <a:lstStyle/>
           <a:p>
-            <a:endParaRPr/>
+            <a:endParaRPr dirty="0"/>
           </a:p>
         </p:txBody>
       </p:sp>
@@ -12310,7 +12162,7 @@
           </a:bodyPr>
           <a:lstStyle/>
           <a:p>
-            <a:endParaRPr/>
+            <a:endParaRPr dirty="0"/>
           </a:p>
         </p:txBody>
       </p:sp>
@@ -12428,7 +12280,7 @@
           </a:bodyPr>
           <a:lstStyle/>
           <a:p>
-            <a:endParaRPr/>
+            <a:endParaRPr dirty="0"/>
           </a:p>
         </p:txBody>
       </p:sp>
@@ -12911,7 +12763,7 @@
               <a:defRPr/>
             </a:pPr>
             <a:r>
-              <a:rPr lang="es-MX" b="1">
+              <a:rPr lang="es-MX" b="1" dirty="0">
                 <a:solidFill>
                   <a:schemeClr val="accent4">
                     <a:lumMod val="50000"/>
@@ -12926,19 +12778,6 @@
               </a:rPr>
               <a:t>¿Qué es una función?</a:t>
             </a:r>
-            <a:endParaRPr lang="es-MX" b="1" dirty="0">
-              <a:solidFill>
-                <a:schemeClr val="accent4">
-                  <a:lumMod val="50000"/>
-                </a:schemeClr>
-              </a:solidFill>
-              <a:effectLst>
-                <a:outerShdw blurRad="38100" dist="38100" dir="2700000" algn="tl">
-                  <a:srgbClr val="C0C0C0"/>
-                </a:outerShdw>
-              </a:effectLst>
-              <a:latin typeface="Dom Casual" charset="0"/>
-            </a:endParaRPr>
           </a:p>
         </p:txBody>
       </p:sp>
@@ -13021,7 +12860,7 @@
           <p:cNvPr id="4" name="Imagen 3">
             <a:extLst>
               <a:ext uri="{FF2B5EF4-FFF2-40B4-BE49-F238E27FC236}">
-                <a16:creationId xmlns:a16="http://schemas.microsoft.com/office/drawing/2014/main" id="{F37041DC-EE7B-4310-8005-6B44550B8B85}"/>
+                <a16:creationId xmlns:a16="http://schemas.microsoft.com/office/drawing/2014/main" id="{6AB073D9-81F3-4EEE-ABB5-988077E6D86B}"/>
               </a:ext>
             </a:extLst>
           </p:cNvPr>
@@ -13038,8 +12877,8 @@
         </p:blipFill>
         <p:spPr>
           <a:xfrm>
-            <a:off x="485286" y="1700808"/>
-            <a:ext cx="8280865" cy="2766829"/>
+            <a:off x="323528" y="1625079"/>
+            <a:ext cx="8629650" cy="2857500"/>
           </a:xfrm>
           <a:prstGeom prst="rect">
             <a:avLst/>
@@ -13048,10 +12887,10 @@
       </p:pic>
       <p:pic>
         <p:nvPicPr>
-          <p:cNvPr id="5" name="Imagen 4">
+          <p:cNvPr id="7" name="Imagen 6">
             <a:extLst>
               <a:ext uri="{FF2B5EF4-FFF2-40B4-BE49-F238E27FC236}">
-                <a16:creationId xmlns:a16="http://schemas.microsoft.com/office/drawing/2014/main" id="{AD11E001-B8E2-445A-BF43-625BB10CDB43}"/>
+                <a16:creationId xmlns:a16="http://schemas.microsoft.com/office/drawing/2014/main" id="{1C4A328B-BF62-4DD3-8BA3-EA3DE21C20FB}"/>
               </a:ext>
             </a:extLst>
           </p:cNvPr>
@@ -13068,8 +12907,8 @@
         </p:blipFill>
         <p:spPr>
           <a:xfrm>
-            <a:off x="3908401" y="4306180"/>
-            <a:ext cx="4857750" cy="1114425"/>
+            <a:off x="2627784" y="4797152"/>
+            <a:ext cx="6267715" cy="1256807"/>
           </a:xfrm>
           <a:prstGeom prst="rect">
             <a:avLst/>
@@ -13080,13 +12919,14 @@
                 <a:alpha val="40000"/>
               </a:prstClr>
             </a:outerShdw>
+            <a:softEdge rad="12700"/>
           </a:effectLst>
         </p:spPr>
       </p:pic>
     </p:spTree>
     <p:extLst>
       <p:ext uri="{BB962C8B-B14F-4D97-AF65-F5344CB8AC3E}">
-        <p14:creationId xmlns:p14="http://schemas.microsoft.com/office/powerpoint/2010/main" val="1143092683"/>
+        <p14:creationId xmlns:p14="http://schemas.microsoft.com/office/powerpoint/2010/main" val="2855563298"/>
       </p:ext>
     </p:extLst>
   </p:cSld>
@@ -13163,7 +13003,7 @@
                   </a:schemeClr>
                 </a:solidFill>
               </a:rPr>
-              <a:t>todosPositivos</a:t>
+              <a:t>todos_positivos</a:t>
             </a:r>
             <a:r>
               <a:rPr lang="es-MX" sz="2800" dirty="0">
@@ -13259,7 +13099,9 @@
             <a:r>
               <a:rPr lang="es-ES_tradnl" sz="4400" b="1" dirty="0">
                 <a:solidFill>
-                  <a:srgbClr val="002060"/>
+                  <a:schemeClr val="accent4">
+                    <a:lumMod val="50000"/>
+                  </a:schemeClr>
                 </a:solidFill>
                 <a:effectLst>
                   <a:outerShdw blurRad="38100" dist="38100" dir="2700000" algn="tl">
@@ -13272,7 +13114,9 @@
             </a:r>
             <a:endParaRPr lang="es-ES_tradnl" sz="2400" b="1" dirty="0">
               <a:solidFill>
-                <a:srgbClr val="002060"/>
+                <a:schemeClr val="accent4">
+                  <a:lumMod val="50000"/>
+                </a:schemeClr>
               </a:solidFill>
               <a:effectLst>
                 <a:outerShdw blurRad="38100" dist="38100" dir="2700000" algn="tl">
@@ -13323,7 +13167,7 @@
     </p:spTree>
     <p:extLst>
       <p:ext uri="{BB962C8B-B14F-4D97-AF65-F5344CB8AC3E}">
-        <p14:creationId xmlns:p14="http://schemas.microsoft.com/office/powerpoint/2010/main" val="433579855"/>
+        <p14:creationId xmlns:p14="http://schemas.microsoft.com/office/powerpoint/2010/main" val="2266916258"/>
       </p:ext>
     </p:extLst>
   </p:cSld>
@@ -13539,7 +13383,7 @@
               </a:spcBef>
             </a:pPr>
             <a:r>
-              <a:rPr lang="es-ES_tradnl" sz="2400" b="1" dirty="0" err="1">
+              <a:rPr lang="es-ES_tradnl" sz="2400" b="1" dirty="0">
                 <a:solidFill>
                   <a:schemeClr val="bg2">
                     <a:lumMod val="25000"/>
@@ -13548,22 +13392,10 @@
                 <a:latin typeface="Arial" pitchFamily="34" charset="0"/>
                 <a:cs typeface="Arial" pitchFamily="34" charset="0"/>
               </a:rPr>
-              <a:t>def</a:t>
+              <a:t>def  </a:t>
             </a:r>
             <a:r>
               <a:rPr lang="es-ES_tradnl" sz="2400" b="1" dirty="0">
-                <a:solidFill>
-                  <a:schemeClr val="bg2">
-                    <a:lumMod val="25000"/>
-                  </a:schemeClr>
-                </a:solidFill>
-                <a:latin typeface="Arial" pitchFamily="34" charset="0"/>
-                <a:cs typeface="Arial" pitchFamily="34" charset="0"/>
-              </a:rPr>
-              <a:t>  </a:t>
-            </a:r>
-            <a:r>
-              <a:rPr lang="es-ES_tradnl" sz="2400" b="1" dirty="0" err="1">
                 <a:solidFill>
                   <a:schemeClr val="accent6">
                     <a:lumMod val="75000"/>
@@ -13572,19 +13404,7 @@
                 <a:latin typeface="Arial" pitchFamily="34" charset="0"/>
                 <a:cs typeface="Arial" pitchFamily="34" charset="0"/>
               </a:rPr>
-              <a:t>todosPositivos</a:t>
-            </a:r>
-            <a:r>
-              <a:rPr lang="es-ES_tradnl" sz="2400" b="1" dirty="0">
-                <a:solidFill>
-                  <a:schemeClr val="accent6">
-                    <a:lumMod val="75000"/>
-                  </a:schemeClr>
-                </a:solidFill>
-                <a:latin typeface="Arial" pitchFamily="34" charset="0"/>
-                <a:cs typeface="Arial" pitchFamily="34" charset="0"/>
-              </a:rPr>
-              <a:t> </a:t>
+              <a:t>todos_positivos </a:t>
             </a:r>
             <a:r>
               <a:rPr lang="es-ES_tradnl" sz="2400" b="1" dirty="0">
@@ -13618,31 +13438,7 @@
                 <a:latin typeface="Arial" pitchFamily="34" charset="0"/>
                 <a:cs typeface="Arial" pitchFamily="34" charset="0"/>
               </a:rPr>
-              <a:t>	     </a:t>
-            </a:r>
-            <a:r>
-              <a:rPr lang="es-ES_tradnl" sz="2400" b="1" dirty="0" err="1">
-                <a:solidFill>
-                  <a:schemeClr val="bg2">
-                    <a:lumMod val="25000"/>
-                  </a:schemeClr>
-                </a:solidFill>
-                <a:latin typeface="Arial" pitchFamily="34" charset="0"/>
-                <a:cs typeface="Arial" pitchFamily="34" charset="0"/>
-              </a:rPr>
-              <a:t>if</a:t>
-            </a:r>
-            <a:r>
-              <a:rPr lang="es-ES_tradnl" sz="2400" b="1" dirty="0">
-                <a:solidFill>
-                  <a:schemeClr val="bg2">
-                    <a:lumMod val="25000"/>
-                  </a:schemeClr>
-                </a:solidFill>
-                <a:latin typeface="Arial" pitchFamily="34" charset="0"/>
-                <a:cs typeface="Arial" pitchFamily="34" charset="0"/>
-              </a:rPr>
-              <a:t> (x &gt; </a:t>
+              <a:t>	     if (x &gt; </a:t>
             </a:r>
             <a:r>
               <a:rPr lang="es-ES_tradnl" sz="2400" b="1" dirty="0">
@@ -13730,31 +13526,7 @@
                 <a:latin typeface="Arial" pitchFamily="34" charset="0"/>
                 <a:cs typeface="Arial" pitchFamily="34" charset="0"/>
               </a:rPr>
-              <a:t>	         </a:t>
-            </a:r>
-            <a:r>
-              <a:rPr lang="es-ES_tradnl" sz="2400" b="1" dirty="0" err="1">
-                <a:solidFill>
-                  <a:schemeClr val="bg2">
-                    <a:lumMod val="25000"/>
-                  </a:schemeClr>
-                </a:solidFill>
-                <a:latin typeface="Arial" pitchFamily="34" charset="0"/>
-                <a:cs typeface="Arial" pitchFamily="34" charset="0"/>
-              </a:rPr>
-              <a:t>return</a:t>
-            </a:r>
-            <a:r>
-              <a:rPr lang="es-ES_tradnl" sz="2400" b="1" dirty="0">
-                <a:solidFill>
-                  <a:schemeClr val="bg2">
-                    <a:lumMod val="25000"/>
-                  </a:schemeClr>
-                </a:solidFill>
-                <a:latin typeface="Arial" pitchFamily="34" charset="0"/>
-                <a:cs typeface="Arial" pitchFamily="34" charset="0"/>
-              </a:rPr>
-              <a:t> </a:t>
+              <a:t>	         return </a:t>
             </a:r>
             <a:r>
               <a:rPr lang="es-ES_tradnl" sz="2400" b="1" dirty="0">
@@ -13795,31 +13567,7 @@
                 <a:latin typeface="Arial" pitchFamily="34" charset="0"/>
                 <a:cs typeface="Arial" pitchFamily="34" charset="0"/>
               </a:rPr>
-              <a:t>       </a:t>
-            </a:r>
-            <a:r>
-              <a:rPr lang="es-ES_tradnl" sz="2400" b="1" dirty="0" err="1">
-                <a:solidFill>
-                  <a:schemeClr val="bg2">
-                    <a:lumMod val="25000"/>
-                  </a:schemeClr>
-                </a:solidFill>
-                <a:latin typeface="Arial" pitchFamily="34" charset="0"/>
-                <a:cs typeface="Arial" pitchFamily="34" charset="0"/>
-              </a:rPr>
-              <a:t>else</a:t>
-            </a:r>
-            <a:r>
-              <a:rPr lang="es-ES_tradnl" sz="2400" b="1" dirty="0">
-                <a:solidFill>
-                  <a:schemeClr val="bg2">
-                    <a:lumMod val="25000"/>
-                  </a:schemeClr>
-                </a:solidFill>
-                <a:latin typeface="Arial" pitchFamily="34" charset="0"/>
-                <a:cs typeface="Arial" pitchFamily="34" charset="0"/>
-              </a:rPr>
-              <a:t>:</a:t>
+              <a:t>       else:</a:t>
             </a:r>
           </a:p>
           <a:p>
@@ -13841,31 +13589,7 @@
                 <a:latin typeface="Arial" pitchFamily="34" charset="0"/>
                 <a:cs typeface="Arial" pitchFamily="34" charset="0"/>
               </a:rPr>
-              <a:t>           </a:t>
-            </a:r>
-            <a:r>
-              <a:rPr lang="es-ES_tradnl" sz="2400" b="1" dirty="0" err="1">
-                <a:solidFill>
-                  <a:schemeClr val="bg2">
-                    <a:lumMod val="25000"/>
-                  </a:schemeClr>
-                </a:solidFill>
-                <a:latin typeface="Arial" pitchFamily="34" charset="0"/>
-                <a:cs typeface="Arial" pitchFamily="34" charset="0"/>
-              </a:rPr>
-              <a:t>return</a:t>
-            </a:r>
-            <a:r>
-              <a:rPr lang="es-ES_tradnl" sz="2400" b="1" dirty="0">
-                <a:solidFill>
-                  <a:schemeClr val="bg2">
-                    <a:lumMod val="25000"/>
-                  </a:schemeClr>
-                </a:solidFill>
-                <a:latin typeface="Arial" pitchFamily="34" charset="0"/>
-                <a:cs typeface="Arial" pitchFamily="34" charset="0"/>
-              </a:rPr>
-              <a:t> </a:t>
+              <a:t>           return </a:t>
             </a:r>
             <a:r>
               <a:rPr lang="es-ES_tradnl" sz="2400" b="1" dirty="0">
@@ -13955,7 +13679,9 @@
             <a:r>
               <a:rPr lang="es-ES_tradnl" sz="4400" b="1" dirty="0">
                 <a:solidFill>
-                  <a:srgbClr val="002060"/>
+                  <a:schemeClr val="accent4">
+                    <a:lumMod val="50000"/>
+                  </a:schemeClr>
                 </a:solidFill>
                 <a:effectLst>
                   <a:outerShdw blurRad="38100" dist="38100" dir="2700000" algn="tl">
@@ -13964,33 +13690,8 @@
                 </a:effectLst>
                 <a:latin typeface="Dom Casual" charset="0"/>
               </a:rPr>
-              <a:t>Función </a:t>
-            </a:r>
-            <a:r>
-              <a:rPr lang="es-ES_tradnl" sz="4400" b="1" dirty="0" err="1">
-                <a:solidFill>
-                  <a:srgbClr val="002060"/>
-                </a:solidFill>
-                <a:effectLst>
-                  <a:outerShdw blurRad="38100" dist="38100" dir="2700000" algn="tl">
-                    <a:srgbClr val="C0C0C0"/>
-                  </a:outerShdw>
-                </a:effectLst>
-                <a:latin typeface="Dom Casual" charset="0"/>
-              </a:rPr>
-              <a:t>todosPositivos</a:t>
-            </a:r>
-            <a:endParaRPr lang="es-ES_tradnl" sz="4400" b="1" dirty="0">
-              <a:solidFill>
-                <a:srgbClr val="002060"/>
-              </a:solidFill>
-              <a:effectLst>
-                <a:outerShdw blurRad="38100" dist="38100" dir="2700000" algn="tl">
-                  <a:srgbClr val="C0C0C0"/>
-                </a:outerShdw>
-              </a:effectLst>
-              <a:latin typeface="Dom Casual" charset="0"/>
-            </a:endParaRPr>
+              <a:t>Función todos_positivos</a:t>
+            </a:r>
           </a:p>
         </p:txBody>
       </p:sp>
@@ -14033,7 +13734,7 @@
     </p:spTree>
     <p:extLst>
       <p:ext uri="{BB962C8B-B14F-4D97-AF65-F5344CB8AC3E}">
-        <p14:creationId xmlns:p14="http://schemas.microsoft.com/office/powerpoint/2010/main" val="2141590218"/>
+        <p14:creationId xmlns:p14="http://schemas.microsoft.com/office/powerpoint/2010/main" val="1566222654"/>
       </p:ext>
     </p:extLst>
   </p:cSld>
@@ -14125,7 +13826,7 @@
               </a:spcBef>
             </a:pPr>
             <a:r>
-              <a:rPr lang="es-ES_tradnl" b="1" dirty="0" err="1">
+              <a:rPr lang="es-ES_tradnl" b="1" dirty="0">
                 <a:solidFill>
                   <a:schemeClr val="bg2">
                     <a:lumMod val="25000"/>
@@ -14134,22 +13835,10 @@
                 <a:latin typeface="Arial" pitchFamily="34" charset="0"/>
                 <a:cs typeface="Arial" pitchFamily="34" charset="0"/>
               </a:rPr>
-              <a:t>def</a:t>
+              <a:t>def </a:t>
             </a:r>
             <a:r>
               <a:rPr lang="es-ES_tradnl" b="1" dirty="0">
-                <a:solidFill>
-                  <a:schemeClr val="bg2">
-                    <a:lumMod val="25000"/>
-                  </a:schemeClr>
-                </a:solidFill>
-                <a:latin typeface="Arial" pitchFamily="34" charset="0"/>
-                <a:cs typeface="Arial" pitchFamily="34" charset="0"/>
-              </a:rPr>
-              <a:t> </a:t>
-            </a:r>
-            <a:r>
-              <a:rPr lang="es-ES_tradnl" b="1" dirty="0" err="1">
                 <a:solidFill>
                   <a:schemeClr val="accent6">
                     <a:lumMod val="75000"/>
@@ -14158,19 +13847,7 @@
                 <a:latin typeface="Arial" pitchFamily="34" charset="0"/>
                 <a:cs typeface="Arial" pitchFamily="34" charset="0"/>
               </a:rPr>
-              <a:t>main</a:t>
-            </a:r>
-            <a:r>
-              <a:rPr lang="es-ES_tradnl" b="1" dirty="0">
-                <a:solidFill>
-                  <a:schemeClr val="accent6">
-                    <a:lumMod val="75000"/>
-                  </a:schemeClr>
-                </a:solidFill>
-                <a:latin typeface="Arial" pitchFamily="34" charset="0"/>
-                <a:cs typeface="Arial" pitchFamily="34" charset="0"/>
-              </a:rPr>
-              <a:t> </a:t>
+              <a:t>main </a:t>
             </a:r>
             <a:r>
               <a:rPr lang="es-ES_tradnl" b="1" dirty="0">
@@ -14205,31 +13882,7 @@
                 <a:latin typeface="Arial" pitchFamily="34" charset="0"/>
                 <a:cs typeface="Arial" pitchFamily="34" charset="0"/>
               </a:rPr>
-              <a:t>n1 = </a:t>
-            </a:r>
-            <a:r>
-              <a:rPr lang="es-MX" dirty="0" err="1">
-                <a:solidFill>
-                  <a:schemeClr val="bg2">
-                    <a:lumMod val="25000"/>
-                  </a:schemeClr>
-                </a:solidFill>
-                <a:latin typeface="Arial" pitchFamily="34" charset="0"/>
-                <a:cs typeface="Arial" pitchFamily="34" charset="0"/>
-              </a:rPr>
-              <a:t>int</a:t>
-            </a:r>
-            <a:r>
-              <a:rPr lang="es-MX" dirty="0">
-                <a:solidFill>
-                  <a:schemeClr val="bg2">
-                    <a:lumMod val="25000"/>
-                  </a:schemeClr>
-                </a:solidFill>
-                <a:latin typeface="Arial" pitchFamily="34" charset="0"/>
-                <a:cs typeface="Arial" pitchFamily="34" charset="0"/>
-              </a:rPr>
-              <a:t>(input("Introduce un valor: "))</a:t>
+              <a:t>n1 = int(input("Introduce un valor: "))</a:t>
             </a:r>
           </a:p>
           <a:p>
@@ -14252,31 +13905,7 @@
                 <a:latin typeface="Arial" pitchFamily="34" charset="0"/>
                 <a:cs typeface="Arial" pitchFamily="34" charset="0"/>
               </a:rPr>
-              <a:t>n2 = </a:t>
-            </a:r>
-            <a:r>
-              <a:rPr lang="es-MX" dirty="0" err="1">
-                <a:solidFill>
-                  <a:schemeClr val="bg2">
-                    <a:lumMod val="25000"/>
-                  </a:schemeClr>
-                </a:solidFill>
-                <a:latin typeface="Arial" pitchFamily="34" charset="0"/>
-                <a:cs typeface="Arial" pitchFamily="34" charset="0"/>
-              </a:rPr>
-              <a:t>int</a:t>
-            </a:r>
-            <a:r>
-              <a:rPr lang="es-MX" dirty="0">
-                <a:solidFill>
-                  <a:schemeClr val="bg2">
-                    <a:lumMod val="25000"/>
-                  </a:schemeClr>
-                </a:solidFill>
-                <a:latin typeface="Arial" pitchFamily="34" charset="0"/>
-                <a:cs typeface="Arial" pitchFamily="34" charset="0"/>
-              </a:rPr>
-              <a:t>(input("Introduce un valor: "))</a:t>
+              <a:t>n2 = int(input("Introduce un valor: "))</a:t>
             </a:r>
           </a:p>
           <a:p>
@@ -14299,31 +13928,7 @@
                 <a:latin typeface="Arial" pitchFamily="34" charset="0"/>
                 <a:cs typeface="Arial" pitchFamily="34" charset="0"/>
               </a:rPr>
-              <a:t>n3 = </a:t>
-            </a:r>
-            <a:r>
-              <a:rPr lang="es-MX" dirty="0" err="1">
-                <a:solidFill>
-                  <a:schemeClr val="bg2">
-                    <a:lumMod val="25000"/>
-                  </a:schemeClr>
-                </a:solidFill>
-                <a:latin typeface="Arial" pitchFamily="34" charset="0"/>
-                <a:cs typeface="Arial" pitchFamily="34" charset="0"/>
-              </a:rPr>
-              <a:t>int</a:t>
-            </a:r>
-            <a:r>
-              <a:rPr lang="es-MX" dirty="0">
-                <a:solidFill>
-                  <a:schemeClr val="bg2">
-                    <a:lumMod val="25000"/>
-                  </a:schemeClr>
-                </a:solidFill>
-                <a:latin typeface="Arial" pitchFamily="34" charset="0"/>
-                <a:cs typeface="Arial" pitchFamily="34" charset="0"/>
-              </a:rPr>
-              <a:t>(input("Introduce un valor: "))</a:t>
+              <a:t>n3 = int(input("Introduce un valor: "))</a:t>
             </a:r>
           </a:p>
           <a:p>
@@ -14349,7 +13954,7 @@
               <a:t>res = </a:t>
             </a:r>
             <a:r>
-              <a:rPr lang="es-MX" b="1" dirty="0" err="1">
+              <a:rPr lang="es-MX" b="1" dirty="0">
                 <a:solidFill>
                   <a:schemeClr val="accent6">
                     <a:lumMod val="75000"/>
@@ -14358,7 +13963,7 @@
                 <a:latin typeface="Arial" pitchFamily="34" charset="0"/>
                 <a:cs typeface="Arial" pitchFamily="34" charset="0"/>
               </a:rPr>
-              <a:t>todosPositivos</a:t>
+              <a:t>todos_positivos</a:t>
             </a:r>
             <a:r>
               <a:rPr lang="es-MX" dirty="0">
@@ -14384,7 +13989,7 @@
               <a:buSzPct val="80000"/>
             </a:pPr>
             <a:r>
-              <a:rPr lang="es-MX" dirty="0" err="1">
+              <a:rPr lang="es-MX" dirty="0">
                 <a:solidFill>
                   <a:schemeClr val="bg2">
                     <a:lumMod val="25000"/>
@@ -14393,19 +13998,7 @@
                 <a:latin typeface="Arial" pitchFamily="34" charset="0"/>
                 <a:cs typeface="Arial" pitchFamily="34" charset="0"/>
               </a:rPr>
-              <a:t>if</a:t>
-            </a:r>
-            <a:r>
-              <a:rPr lang="es-MX" dirty="0">
-                <a:solidFill>
-                  <a:schemeClr val="bg2">
-                    <a:lumMod val="25000"/>
-                  </a:schemeClr>
-                </a:solidFill>
-                <a:latin typeface="Arial" pitchFamily="34" charset="0"/>
-                <a:cs typeface="Arial" pitchFamily="34" charset="0"/>
-              </a:rPr>
-              <a:t> (res == 1):</a:t>
+              <a:t>if (res == 1):</a:t>
             </a:r>
           </a:p>
           <a:p>
@@ -14428,31 +14021,7 @@
                 <a:latin typeface="Arial" pitchFamily="34" charset="0"/>
                 <a:cs typeface="Arial" pitchFamily="34" charset="0"/>
               </a:rPr>
-              <a:t>    </a:t>
-            </a:r>
-            <a:r>
-              <a:rPr lang="es-MX" dirty="0" err="1">
-                <a:solidFill>
-                  <a:schemeClr val="bg2">
-                    <a:lumMod val="25000"/>
-                  </a:schemeClr>
-                </a:solidFill>
-                <a:latin typeface="Arial" pitchFamily="34" charset="0"/>
-                <a:cs typeface="Arial" pitchFamily="34" charset="0"/>
-              </a:rPr>
-              <a:t>print</a:t>
-            </a:r>
-            <a:r>
-              <a:rPr lang="es-MX" dirty="0">
-                <a:solidFill>
-                  <a:schemeClr val="bg2">
-                    <a:lumMod val="25000"/>
-                  </a:schemeClr>
-                </a:solidFill>
-                <a:latin typeface="Arial" pitchFamily="34" charset="0"/>
-                <a:cs typeface="Arial" pitchFamily="34" charset="0"/>
-              </a:rPr>
-              <a:t>("Los 3 valores son positivos")</a:t>
+              <a:t>    print("Los 3 valores son positivos")</a:t>
             </a:r>
           </a:p>
           <a:p>
@@ -14466,7 +14035,7 @@
               <a:buSzPct val="80000"/>
             </a:pPr>
             <a:r>
-              <a:rPr lang="es-MX" dirty="0" err="1">
+              <a:rPr lang="es-MX" dirty="0">
                 <a:solidFill>
                   <a:schemeClr val="bg2">
                     <a:lumMod val="25000"/>
@@ -14475,19 +14044,7 @@
                 <a:latin typeface="Arial" pitchFamily="34" charset="0"/>
                 <a:cs typeface="Arial" pitchFamily="34" charset="0"/>
               </a:rPr>
-              <a:t>else</a:t>
-            </a:r>
-            <a:r>
-              <a:rPr lang="es-MX" dirty="0">
-                <a:solidFill>
-                  <a:schemeClr val="bg2">
-                    <a:lumMod val="25000"/>
-                  </a:schemeClr>
-                </a:solidFill>
-                <a:latin typeface="Arial" pitchFamily="34" charset="0"/>
-                <a:cs typeface="Arial" pitchFamily="34" charset="0"/>
-              </a:rPr>
-              <a:t>:</a:t>
+              <a:t>else:</a:t>
             </a:r>
           </a:p>
           <a:p>
@@ -14510,31 +14067,7 @@
                 <a:latin typeface="Arial" pitchFamily="34" charset="0"/>
                 <a:cs typeface="Arial" pitchFamily="34" charset="0"/>
               </a:rPr>
-              <a:t>    </a:t>
-            </a:r>
-            <a:r>
-              <a:rPr lang="es-MX" dirty="0" err="1">
-                <a:solidFill>
-                  <a:schemeClr val="bg2">
-                    <a:lumMod val="25000"/>
-                  </a:schemeClr>
-                </a:solidFill>
-                <a:latin typeface="Arial" pitchFamily="34" charset="0"/>
-                <a:cs typeface="Arial" pitchFamily="34" charset="0"/>
-              </a:rPr>
-              <a:t>print</a:t>
-            </a:r>
-            <a:r>
-              <a:rPr lang="es-MX" dirty="0">
-                <a:solidFill>
-                  <a:schemeClr val="bg2">
-                    <a:lumMod val="25000"/>
-                  </a:schemeClr>
-                </a:solidFill>
-                <a:latin typeface="Arial" pitchFamily="34" charset="0"/>
-                <a:cs typeface="Arial" pitchFamily="34" charset="0"/>
-              </a:rPr>
-              <a:t>("No todos son positivos")</a:t>
+              <a:t>    print("No todos son positivos")</a:t>
             </a:r>
           </a:p>
           <a:p>
@@ -14568,7 +14101,7 @@
               <a:buSzPct val="80000"/>
             </a:pPr>
             <a:r>
-              <a:rPr lang="es-MX" b="1" dirty="0" err="1">
+              <a:rPr lang="es-MX" b="1" dirty="0">
                 <a:solidFill>
                   <a:schemeClr val="accent6">
                     <a:lumMod val="75000"/>
@@ -14577,19 +14110,7 @@
                 <a:latin typeface="Arial" pitchFamily="34" charset="0"/>
                 <a:cs typeface="Arial" pitchFamily="34" charset="0"/>
               </a:rPr>
-              <a:t>main</a:t>
-            </a:r>
-            <a:r>
-              <a:rPr lang="es-MX" b="1" dirty="0">
-                <a:solidFill>
-                  <a:schemeClr val="accent6">
-                    <a:lumMod val="75000"/>
-                  </a:schemeClr>
-                </a:solidFill>
-                <a:latin typeface="Arial" pitchFamily="34" charset="0"/>
-                <a:cs typeface="Arial" pitchFamily="34" charset="0"/>
-              </a:rPr>
-              <a:t>()</a:t>
+              <a:t>main()</a:t>
             </a:r>
             <a:endParaRPr lang="es-ES_tradnl" sz="2400" b="1" dirty="0">
               <a:solidFill>
@@ -14678,33 +14199,8 @@
                 </a:effectLst>
                 <a:latin typeface="Dom Casual" charset="0"/>
               </a:rPr>
-              <a:t>Función </a:t>
-            </a:r>
-            <a:r>
-              <a:rPr lang="es-ES_tradnl" sz="4400" b="1" dirty="0" err="1">
-                <a:solidFill>
-                  <a:srgbClr val="002060"/>
-                </a:solidFill>
-                <a:effectLst>
-                  <a:outerShdw blurRad="38100" dist="38100" dir="2700000" algn="tl">
-                    <a:srgbClr val="C0C0C0"/>
-                  </a:outerShdw>
-                </a:effectLst>
-                <a:latin typeface="Dom Casual" charset="0"/>
-              </a:rPr>
-              <a:t>main</a:t>
-            </a:r>
-            <a:endParaRPr lang="es-ES_tradnl" sz="4400" b="1" dirty="0">
-              <a:solidFill>
-                <a:srgbClr val="002060"/>
-              </a:solidFill>
-              <a:effectLst>
-                <a:outerShdw blurRad="38100" dist="38100" dir="2700000" algn="tl">
-                  <a:srgbClr val="C0C0C0"/>
-                </a:outerShdw>
-              </a:effectLst>
-              <a:latin typeface="Dom Casual" charset="0"/>
-            </a:endParaRPr>
+              <a:t>Función main</a:t>
+            </a:r>
           </a:p>
         </p:txBody>
       </p:sp>
@@ -14784,7 +14280,7 @@
     </p:spTree>
     <p:extLst>
       <p:ext uri="{BB962C8B-B14F-4D97-AF65-F5344CB8AC3E}">
-        <p14:creationId xmlns:p14="http://schemas.microsoft.com/office/powerpoint/2010/main" val="4129888857"/>
+        <p14:creationId xmlns:p14="http://schemas.microsoft.com/office/powerpoint/2010/main" val="848286788"/>
       </p:ext>
     </p:extLst>
   </p:cSld>
@@ -14838,7 +14334,7 @@
           </a:bodyPr>
           <a:lstStyle/>
           <a:p>
-            <a:endParaRPr/>
+            <a:endParaRPr dirty="0"/>
           </a:p>
         </p:txBody>
       </p:sp>
@@ -14869,7 +14365,7 @@
           </a:bodyPr>
           <a:lstStyle/>
           <a:p>
-            <a:endParaRPr/>
+            <a:endParaRPr dirty="0"/>
           </a:p>
         </p:txBody>
       </p:sp>
@@ -14928,7 +14424,7 @@
           </a:bodyPr>
           <a:lstStyle/>
           <a:p>
-            <a:endParaRPr/>
+            <a:endParaRPr dirty="0"/>
           </a:p>
         </p:txBody>
       </p:sp>
@@ -14986,7 +14482,7 @@
           </a:bodyPr>
           <a:lstStyle/>
           <a:p>
-            <a:endParaRPr/>
+            <a:endParaRPr dirty="0"/>
           </a:p>
         </p:txBody>
       </p:sp>
@@ -15039,7 +14535,7 @@
           </a:bodyPr>
           <a:lstStyle/>
           <a:p>
-            <a:endParaRPr/>
+            <a:endParaRPr dirty="0"/>
           </a:p>
         </p:txBody>
       </p:sp>
@@ -15083,7 +14579,7 @@
           </a:bodyPr>
           <a:lstStyle/>
           <a:p>
-            <a:endParaRPr/>
+            <a:endParaRPr dirty="0"/>
           </a:p>
         </p:txBody>
       </p:sp>
@@ -15141,7 +14637,7 @@
           </a:bodyPr>
           <a:lstStyle/>
           <a:p>
-            <a:endParaRPr/>
+            <a:endParaRPr dirty="0"/>
           </a:p>
         </p:txBody>
       </p:sp>
@@ -15188,7 +14684,7 @@
           </a:bodyPr>
           <a:lstStyle/>
           <a:p>
-            <a:endParaRPr/>
+            <a:endParaRPr dirty="0"/>
           </a:p>
         </p:txBody>
       </p:sp>
@@ -15235,7 +14731,7 @@
           </a:bodyPr>
           <a:lstStyle/>
           <a:p>
-            <a:endParaRPr/>
+            <a:endParaRPr dirty="0"/>
           </a:p>
         </p:txBody>
       </p:sp>
@@ -15293,7 +14789,7 @@
           </a:bodyPr>
           <a:lstStyle/>
           <a:p>
-            <a:endParaRPr/>
+            <a:endParaRPr dirty="0"/>
           </a:p>
         </p:txBody>
       </p:sp>
@@ -15351,7 +14847,7 @@
           </a:bodyPr>
           <a:lstStyle/>
           <a:p>
-            <a:endParaRPr/>
+            <a:endParaRPr dirty="0"/>
           </a:p>
         </p:txBody>
       </p:sp>
@@ -15411,7 +14907,7 @@
           </a:bodyPr>
           <a:lstStyle/>
           <a:p>
-            <a:endParaRPr/>
+            <a:endParaRPr dirty="0"/>
           </a:p>
         </p:txBody>
       </p:sp>
@@ -15442,7 +14938,7 @@
           </a:bodyPr>
           <a:lstStyle/>
           <a:p>
-            <a:endParaRPr/>
+            <a:endParaRPr dirty="0"/>
           </a:p>
         </p:txBody>
       </p:sp>
@@ -15979,7 +15475,7 @@
           </a:bodyPr>
           <a:lstStyle/>
           <a:p>
-            <a:endParaRPr/>
+            <a:endParaRPr dirty="0"/>
           </a:p>
         </p:txBody>
       </p:sp>
@@ -16130,7 +15626,7 @@
               </a:spcBef>
             </a:pPr>
             <a:r>
-              <a:rPr lang="es-ES" sz="2400" b="1" dirty="0" err="1">
+              <a:rPr lang="es-ES" sz="2400" b="1" dirty="0">
                 <a:solidFill>
                   <a:schemeClr val="accent6">
                     <a:lumMod val="75000"/>
@@ -16138,18 +15634,7 @@
                 </a:solidFill>
                 <a:cs typeface="Arial" pitchFamily="34" charset="0"/>
               </a:rPr>
-              <a:t>Modularización</a:t>
-            </a:r>
-            <a:r>
-              <a:rPr lang="es-ES" sz="2400" b="1" dirty="0">
-                <a:solidFill>
-                  <a:schemeClr val="accent6">
-                    <a:lumMod val="75000"/>
-                  </a:schemeClr>
-                </a:solidFill>
-                <a:cs typeface="Arial" pitchFamily="34" charset="0"/>
-              </a:rPr>
-              <a:t>:</a:t>
+              <a:t>Modularización:</a:t>
             </a:r>
             <a:r>
               <a:rPr lang="es-ES" sz="2400" dirty="0">
@@ -16231,7 +15716,7 @@
               <a:defRPr/>
             </a:pPr>
             <a:r>
-              <a:rPr lang="es-MX" b="1">
+              <a:rPr lang="es-MX" b="1" dirty="0">
                 <a:solidFill>
                   <a:schemeClr val="accent4">
                     <a:lumMod val="50000"/>
@@ -16246,19 +15731,6 @@
               </a:rPr>
               <a:t>Funciones</a:t>
             </a:r>
-            <a:endParaRPr lang="es-MX" b="1" dirty="0">
-              <a:solidFill>
-                <a:schemeClr val="accent4">
-                  <a:lumMod val="50000"/>
-                </a:schemeClr>
-              </a:solidFill>
-              <a:effectLst>
-                <a:outerShdw blurRad="38100" dist="38100" dir="2700000" algn="tl">
-                  <a:srgbClr val="C0C0C0"/>
-                </a:outerShdw>
-              </a:effectLst>
-              <a:latin typeface="Dom Casual" charset="0"/>
-            </a:endParaRPr>
           </a:p>
         </p:txBody>
       </p:sp>
@@ -16355,7 +15827,7 @@
           </a:bodyPr>
           <a:lstStyle/>
           <a:p>
-            <a:endParaRPr/>
+            <a:endParaRPr dirty="0"/>
           </a:p>
         </p:txBody>
       </p:sp>
@@ -16386,7 +15858,7 @@
           </a:bodyPr>
           <a:lstStyle/>
           <a:p>
-            <a:endParaRPr/>
+            <a:endParaRPr dirty="0"/>
           </a:p>
         </p:txBody>
       </p:sp>
@@ -16417,7 +15889,7 @@
           </a:bodyPr>
           <a:lstStyle/>
           <a:p>
-            <a:endParaRPr/>
+            <a:endParaRPr dirty="0"/>
           </a:p>
         </p:txBody>
       </p:sp>
@@ -16477,7 +15949,7 @@
           </a:bodyPr>
           <a:lstStyle/>
           <a:p>
-            <a:endParaRPr/>
+            <a:endParaRPr dirty="0"/>
           </a:p>
         </p:txBody>
       </p:sp>
@@ -16589,7 +16061,7 @@
           </a:bodyPr>
           <a:lstStyle/>
           <a:p>
-            <a:endParaRPr/>
+            <a:endParaRPr dirty="0"/>
           </a:p>
         </p:txBody>
       </p:sp>
@@ -16788,7 +16260,7 @@
           </a:bodyPr>
           <a:lstStyle/>
           <a:p>
-            <a:endParaRPr/>
+            <a:endParaRPr dirty="0"/>
           </a:p>
         </p:txBody>
       </p:sp>
@@ -16832,7 +16304,7 @@
           </a:bodyPr>
           <a:lstStyle/>
           <a:p>
-            <a:endParaRPr/>
+            <a:endParaRPr dirty="0"/>
           </a:p>
         </p:txBody>
       </p:sp>
@@ -16919,7 +16391,7 @@
           </a:bodyPr>
           <a:lstStyle/>
           <a:p>
-            <a:endParaRPr/>
+            <a:endParaRPr dirty="0"/>
           </a:p>
         </p:txBody>
       </p:sp>
@@ -16966,7 +16438,7 @@
           </a:bodyPr>
           <a:lstStyle/>
           <a:p>
-            <a:endParaRPr/>
+            <a:endParaRPr dirty="0"/>
           </a:p>
         </p:txBody>
       </p:sp>
@@ -17100,7 +16572,7 @@
           </a:bodyPr>
           <a:lstStyle/>
           <a:p>
-            <a:endParaRPr/>
+            <a:endParaRPr dirty="0"/>
           </a:p>
         </p:txBody>
       </p:sp>
@@ -17147,7 +16619,7 @@
           </a:bodyPr>
           <a:lstStyle/>
           <a:p>
-            <a:endParaRPr/>
+            <a:endParaRPr dirty="0"/>
           </a:p>
         </p:txBody>
       </p:sp>
@@ -17212,7 +16684,7 @@
           </a:bodyPr>
           <a:lstStyle/>
           <a:p>
-            <a:endParaRPr/>
+            <a:endParaRPr dirty="0"/>
           </a:p>
         </p:txBody>
       </p:sp>
@@ -17256,7 +16728,7 @@
           </a:bodyPr>
           <a:lstStyle/>
           <a:p>
-            <a:endParaRPr/>
+            <a:endParaRPr dirty="0"/>
           </a:p>
         </p:txBody>
       </p:sp>
@@ -17314,7 +16786,7 @@
           </a:bodyPr>
           <a:lstStyle/>
           <a:p>
-            <a:endParaRPr/>
+            <a:endParaRPr dirty="0"/>
           </a:p>
         </p:txBody>
       </p:sp>
@@ -17367,7 +16839,7 @@
           </a:bodyPr>
           <a:lstStyle/>
           <a:p>
-            <a:endParaRPr>
+            <a:endParaRPr dirty="0">
               <a:solidFill>
                 <a:schemeClr val="tx1">
                   <a:lumMod val="95000"/>
@@ -17418,7 +16890,7 @@
           </a:bodyPr>
           <a:lstStyle/>
           <a:p>
-            <a:endParaRPr/>
+            <a:endParaRPr dirty="0"/>
           </a:p>
         </p:txBody>
       </p:sp>
@@ -17572,7 +17044,7 @@
           </a:bodyPr>
           <a:lstStyle/>
           <a:p>
-            <a:endParaRPr/>
+            <a:endParaRPr dirty="0"/>
           </a:p>
         </p:txBody>
       </p:sp>
@@ -17723,7 +17195,7 @@
           </a:bodyPr>
           <a:lstStyle/>
           <a:p>
-            <a:endParaRPr/>
+            <a:endParaRPr dirty="0"/>
           </a:p>
         </p:txBody>
       </p:sp>
@@ -17844,7 +17316,7 @@
           </a:bodyPr>
           <a:lstStyle/>
           <a:p>
-            <a:endParaRPr/>
+            <a:endParaRPr dirty="0"/>
           </a:p>
         </p:txBody>
       </p:sp>
@@ -18001,7 +17473,7 @@
           </a:bodyPr>
           <a:lstStyle/>
           <a:p>
-            <a:endParaRPr/>
+            <a:endParaRPr dirty="0"/>
           </a:p>
         </p:txBody>
       </p:sp>
@@ -18164,7 +17636,7 @@
           </a:bodyPr>
           <a:lstStyle/>
           <a:p>
-            <a:endParaRPr/>
+            <a:endParaRPr dirty="0"/>
           </a:p>
         </p:txBody>
       </p:sp>
@@ -18282,7 +17754,7 @@
           </a:bodyPr>
           <a:lstStyle/>
           <a:p>
-            <a:endParaRPr/>
+            <a:endParaRPr dirty="0"/>
           </a:p>
         </p:txBody>
       </p:sp>
@@ -18358,7 +17830,7 @@
               </a:rPr>
               <a:t>1</a:t>
             </a:r>
-            <a:endParaRPr sz="4800">
+            <a:endParaRPr sz="4800" dirty="0">
               <a:latin typeface="Calibri"/>
               <a:cs typeface="Calibri"/>
             </a:endParaRPr>
@@ -20036,24 +19508,14 @@
               </a:lnSpc>
             </a:pPr>
             <a:r>
-              <a:rPr lang="es-ES_tradnl" sz="2400" b="1" dirty="0" err="1">
+              <a:rPr lang="es-ES_tradnl" sz="2400" b="1" dirty="0">
                 <a:solidFill>
                   <a:schemeClr val="bg1"/>
                 </a:solidFill>
                 <a:latin typeface="Arial" pitchFamily="34" charset="0"/>
                 <a:cs typeface="Arial" pitchFamily="34" charset="0"/>
               </a:rPr>
-              <a:t>def</a:t>
-            </a:r>
-            <a:r>
-              <a:rPr lang="es-ES_tradnl" sz="2400" b="1" dirty="0">
-                <a:solidFill>
-                  <a:schemeClr val="bg1"/>
-                </a:solidFill>
-                <a:latin typeface="Arial" pitchFamily="34" charset="0"/>
-                <a:cs typeface="Arial" pitchFamily="34" charset="0"/>
-              </a:rPr>
-              <a:t> promedio (a, b):</a:t>
+              <a:t>def promedio (a, b):</a:t>
             </a:r>
           </a:p>
           <a:p>
@@ -20070,27 +19532,7 @@
                 <a:latin typeface="Arial" pitchFamily="34" charset="0"/>
                 <a:cs typeface="Arial" pitchFamily="34" charset="0"/>
               </a:rPr>
-              <a:t>       </a:t>
-            </a:r>
-            <a:r>
-              <a:rPr lang="es-ES_tradnl" sz="2400" b="1" dirty="0" err="1">
-                <a:solidFill>
-                  <a:schemeClr val="bg1"/>
-                </a:solidFill>
-                <a:latin typeface="Arial" pitchFamily="34" charset="0"/>
-                <a:cs typeface="Arial" pitchFamily="34" charset="0"/>
-              </a:rPr>
-              <a:t>return</a:t>
-            </a:r>
-            <a:r>
-              <a:rPr lang="es-ES_tradnl" sz="2400" b="1" dirty="0">
-                <a:solidFill>
-                  <a:schemeClr val="bg1"/>
-                </a:solidFill>
-                <a:latin typeface="Arial" pitchFamily="34" charset="0"/>
-                <a:cs typeface="Arial" pitchFamily="34" charset="0"/>
-              </a:rPr>
-              <a:t> (a+b)/2 </a:t>
+              <a:t>       return (a+b)/2 </a:t>
             </a:r>
           </a:p>
         </p:txBody>
@@ -20810,12 +20252,8 @@
                   </a:lnSpc>
                 </a:pPr>
                 <a:r>
-                  <a:rPr lang="es-ES_tradnl" sz="2400" b="1" dirty="0" err="1"/>
-                  <a:t>def</a:t>
-                </a:r>
-                <a:r>
                   <a:rPr lang="es-ES_tradnl" sz="2400" b="1" dirty="0"/>
-                  <a:t> promedio (a, b):</a:t>
+                  <a:t>def promedio (a, b):</a:t>
                 </a:r>
               </a:p>
               <a:p>
@@ -21975,7 +21413,7 @@
           <a:p>
             <a:pPr defTabSz="762000"/>
             <a:r>
-              <a:rPr lang="es-ES_tradnl" sz="2400" b="1" dirty="0" err="1">
+              <a:rPr lang="es-ES_tradnl" sz="2400" b="1" dirty="0">
                 <a:solidFill>
                   <a:srgbClr val="008000"/>
                 </a:solidFill>
